--- a/FHTW CodeRunner.pptx
+++ b/FHTW CodeRunner.pptx
@@ -110,6 +110,11 @@
       </a:defRPr>
     </a:lvl9pPr>
   </p:defaultTextStyle>
+  <p:extLst>
+    <p:ext uri="{EFAFB233-063F-42B5-8137-9DF3F51BA10A}">
+      <p15:sldGuideLst xmlns:p15="http://schemas.microsoft.com/office/powerpoint/2012/main"/>
+    </p:ext>
+  </p:extLst>
 </p:presentation>
 </file>
 
@@ -21757,6 +21762,17 @@
 <file path=ppt/slides/slide7.xml><?xml version="1.0" encoding="utf-8"?>
 <p:sld xmlns:a="http://schemas.openxmlformats.org/drawingml/2006/main" xmlns:r="http://schemas.openxmlformats.org/officeDocument/2006/relationships" xmlns:p="http://schemas.openxmlformats.org/presentationml/2006/main">
   <p:cSld>
+    <p:bg>
+      <p:bgPr>
+        <a:solidFill>
+          <a:schemeClr val="bg1">
+            <a:tint val="95000"/>
+            <a:satMod val="170000"/>
+          </a:schemeClr>
+        </a:solidFill>
+        <a:effectLst/>
+      </p:bgPr>
+    </p:bg>
     <p:spTree>
       <p:nvGrpSpPr>
         <p:cNvPr id="1" name=""/>
@@ -21773,6 +21789,72 @@
       </p:grpSpPr>
       <p:sp>
         <p:nvSpPr>
+          <p:cNvPr id="12" name="Rectangle 11">
+            <a:extLst>
+              <a:ext uri="{FF2B5EF4-FFF2-40B4-BE49-F238E27FC236}">
+                <a16:creationId xmlns:a16="http://schemas.microsoft.com/office/drawing/2014/main" id="{5B32A67F-3598-4A13-8552-DA884FFCCE57}"/>
+              </a:ext>
+              <a:ext uri="{C183D7F6-B498-43B3-948B-1728B52AA6E4}">
+                <adec:decorative xmlns:adec="http://schemas.microsoft.com/office/drawing/2017/decorative" val="1"/>
+              </a:ext>
+            </a:extLst>
+          </p:cNvPr>
+          <p:cNvSpPr>
+            <a:spLocks noGrp="1" noRot="1" noChangeAspect="1" noMove="1" noResize="1" noEditPoints="1" noAdjustHandles="1" noChangeArrowheads="1" noChangeShapeType="1" noTextEdit="1"/>
+          </p:cNvSpPr>
+          <p:nvPr>
+            <p:extLst>
+              <p:ext uri="{386F3935-93C4-4BCD-93E2-E3B085C9AB24}">
+                <p16:designElem xmlns:p16="http://schemas.microsoft.com/office/powerpoint/2015/main" val="1"/>
+              </p:ext>
+            </p:extLst>
+          </p:nvPr>
+        </p:nvSpPr>
+        <p:spPr>
+          <a:xfrm>
+            <a:off x="0" y="0"/>
+            <a:ext cx="12192000" cy="6858000"/>
+          </a:xfrm>
+          <a:prstGeom prst="rect">
+            <a:avLst/>
+          </a:prstGeom>
+          <a:solidFill>
+            <a:schemeClr val="tx1">
+              <a:lumMod val="75000"/>
+              <a:lumOff val="25000"/>
+            </a:schemeClr>
+          </a:solidFill>
+          <a:ln>
+            <a:noFill/>
+          </a:ln>
+        </p:spPr>
+        <p:style>
+          <a:lnRef idx="2">
+            <a:schemeClr val="accent1">
+              <a:shade val="50000"/>
+            </a:schemeClr>
+          </a:lnRef>
+          <a:fillRef idx="1">
+            <a:schemeClr val="accent1"/>
+          </a:fillRef>
+          <a:effectRef idx="0">
+            <a:schemeClr val="accent1"/>
+          </a:effectRef>
+          <a:fontRef idx="minor">
+            <a:schemeClr val="lt1"/>
+          </a:fontRef>
+        </p:style>
+        <p:txBody>
+          <a:bodyPr rtlCol="0" anchor="ctr"/>
+          <a:lstStyle/>
+          <a:p>
+            <a:pPr algn="ctr"/>
+            <a:endParaRPr lang="en-US"/>
+          </a:p>
+        </p:txBody>
+      </p:sp>
+      <p:sp>
+        <p:nvSpPr>
           <p:cNvPr id="2" name="Title 1">
             <a:extLst>
               <a:ext uri="{FF2B5EF4-FFF2-40B4-BE49-F238E27FC236}">
@@ -21787,44 +21869,471 @@
             <p:ph type="title"/>
           </p:nvPr>
         </p:nvSpPr>
-        <p:spPr/>
+        <p:spPr>
+          <a:xfrm>
+            <a:off x="804673" y="3320859"/>
+            <a:ext cx="4573475" cy="2076333"/>
+          </a:xfrm>
+        </p:spPr>
         <p:txBody>
-          <a:bodyPr/>
+          <a:bodyPr vert="horz" lIns="91440" tIns="45720" rIns="91440" bIns="45720" rtlCol="0" anchor="t">
+            <a:normAutofit/>
+          </a:bodyPr>
           <a:lstStyle/>
           <a:p>
             <a:r>
-              <a:rPr lang="en-US" dirty="0"/>
+              <a:rPr lang="en-US" sz="4800" kern="1200">
+                <a:solidFill>
+                  <a:schemeClr val="bg1"/>
+                </a:solidFill>
+                <a:latin typeface="+mj-lt"/>
+                <a:ea typeface="+mj-ea"/>
+                <a:cs typeface="+mj-cs"/>
+              </a:rPr>
               <a:t>Known Issues</a:t>
             </a:r>
-            <a:endParaRPr lang="de-AT" dirty="0"/>
           </a:p>
         </p:txBody>
       </p:sp>
       <p:sp>
         <p:nvSpPr>
-          <p:cNvPr id="3" name="Content Placeholder 2">
+          <p:cNvPr id="14" name="Freeform: Shape 13">
             <a:extLst>
               <a:ext uri="{FF2B5EF4-FFF2-40B4-BE49-F238E27FC236}">
-                <a16:creationId xmlns:a16="http://schemas.microsoft.com/office/drawing/2014/main" id="{53259C83-5A7F-4C46-9BB1-ADA63A919C7E}"/>
+                <a16:creationId xmlns:a16="http://schemas.microsoft.com/office/drawing/2014/main" id="{BCC55ACC-A2F6-403C-A3A4-D59B3734D45F}"/>
+              </a:ext>
+              <a:ext uri="{C183D7F6-B498-43B3-948B-1728B52AA6E4}">
+                <adec:decorative xmlns:adec="http://schemas.microsoft.com/office/drawing/2017/decorative" val="1"/>
               </a:ext>
             </a:extLst>
           </p:cNvPr>
           <p:cNvSpPr>
-            <a:spLocks noGrp="1"/>
+            <a:spLocks noGrp="1" noRot="1" noChangeAspect="1" noMove="1" noResize="1" noEditPoints="1" noAdjustHandles="1" noChangeArrowheads="1" noChangeShapeType="1" noTextEdit="1"/>
           </p:cNvSpPr>
           <p:nvPr>
-            <p:ph idx="1"/>
+            <p:extLst>
+              <p:ext uri="{386F3935-93C4-4BCD-93E2-E3B085C9AB24}">
+                <p16:designElem xmlns:p16="http://schemas.microsoft.com/office/powerpoint/2015/main" val="1"/>
+              </p:ext>
+            </p:extLst>
           </p:nvPr>
         </p:nvSpPr>
-        <p:spPr/>
+        <p:spPr>
+          <a:xfrm>
+            <a:off x="5857312" y="381000"/>
+            <a:ext cx="6334689" cy="6477000"/>
+          </a:xfrm>
+          <a:custGeom>
+            <a:avLst/>
+            <a:gdLst>
+              <a:gd name="connsiteX0" fmla="*/ 3561588 w 6334689"/>
+              <a:gd name="connsiteY0" fmla="*/ 0 h 6477000"/>
+              <a:gd name="connsiteX1" fmla="*/ 6309883 w 6334689"/>
+              <a:gd name="connsiteY1" fmla="*/ 1296087 h 6477000"/>
+              <a:gd name="connsiteX2" fmla="*/ 6334689 w 6334689"/>
+              <a:gd name="connsiteY2" fmla="*/ 1329261 h 6477000"/>
+              <a:gd name="connsiteX3" fmla="*/ 6334689 w 6334689"/>
+              <a:gd name="connsiteY3" fmla="*/ 5793916 h 6477000"/>
+              <a:gd name="connsiteX4" fmla="*/ 6309883 w 6334689"/>
+              <a:gd name="connsiteY4" fmla="*/ 5827089 h 6477000"/>
+              <a:gd name="connsiteX5" fmla="*/ 5760467 w 6334689"/>
+              <a:gd name="connsiteY5" fmla="*/ 6363539 h 6477000"/>
+              <a:gd name="connsiteX6" fmla="*/ 5607796 w 6334689"/>
+              <a:gd name="connsiteY6" fmla="*/ 6477000 h 6477000"/>
+              <a:gd name="connsiteX7" fmla="*/ 1519571 w 6334689"/>
+              <a:gd name="connsiteY7" fmla="*/ 6477000 h 6477000"/>
+              <a:gd name="connsiteX8" fmla="*/ 1296088 w 6334689"/>
+              <a:gd name="connsiteY8" fmla="*/ 6309883 h 6477000"/>
+              <a:gd name="connsiteX9" fmla="*/ 0 w 6334689"/>
+              <a:gd name="connsiteY9" fmla="*/ 3561588 h 6477000"/>
+              <a:gd name="connsiteX10" fmla="*/ 3561588 w 6334689"/>
+              <a:gd name="connsiteY10" fmla="*/ 0 h 6477000"/>
+            </a:gdLst>
+            <a:ahLst/>
+            <a:cxnLst>
+              <a:cxn ang="0">
+                <a:pos x="connsiteX0" y="connsiteY0"/>
+              </a:cxn>
+              <a:cxn ang="0">
+                <a:pos x="connsiteX1" y="connsiteY1"/>
+              </a:cxn>
+              <a:cxn ang="0">
+                <a:pos x="connsiteX2" y="connsiteY2"/>
+              </a:cxn>
+              <a:cxn ang="0">
+                <a:pos x="connsiteX3" y="connsiteY3"/>
+              </a:cxn>
+              <a:cxn ang="0">
+                <a:pos x="connsiteX4" y="connsiteY4"/>
+              </a:cxn>
+              <a:cxn ang="0">
+                <a:pos x="connsiteX5" y="connsiteY5"/>
+              </a:cxn>
+              <a:cxn ang="0">
+                <a:pos x="connsiteX6" y="connsiteY6"/>
+              </a:cxn>
+              <a:cxn ang="0">
+                <a:pos x="connsiteX7" y="connsiteY7"/>
+              </a:cxn>
+              <a:cxn ang="0">
+                <a:pos x="connsiteX8" y="connsiteY8"/>
+              </a:cxn>
+              <a:cxn ang="0">
+                <a:pos x="connsiteX9" y="connsiteY9"/>
+              </a:cxn>
+              <a:cxn ang="0">
+                <a:pos x="connsiteX10" y="connsiteY10"/>
+              </a:cxn>
+            </a:cxnLst>
+            <a:rect l="l" t="t" r="r" b="b"/>
+            <a:pathLst>
+              <a:path w="6334689" h="6477000">
+                <a:moveTo>
+                  <a:pt x="3561588" y="0"/>
+                </a:moveTo>
+                <a:cubicBezTo>
+                  <a:pt x="4668032" y="0"/>
+                  <a:pt x="5656635" y="504534"/>
+                  <a:pt x="6309883" y="1296087"/>
+                </a:cubicBezTo>
+                <a:lnTo>
+                  <a:pt x="6334689" y="1329261"/>
+                </a:lnTo>
+                <a:lnTo>
+                  <a:pt x="6334689" y="5793916"/>
+                </a:lnTo>
+                <a:lnTo>
+                  <a:pt x="6309883" y="5827089"/>
+                </a:lnTo>
+                <a:cubicBezTo>
+                  <a:pt x="6146571" y="6024977"/>
+                  <a:pt x="5962299" y="6204927"/>
+                  <a:pt x="5760467" y="6363539"/>
+                </a:cubicBezTo>
+                <a:lnTo>
+                  <a:pt x="5607796" y="6477000"/>
+                </a:lnTo>
+                <a:lnTo>
+                  <a:pt x="1519571" y="6477000"/>
+                </a:lnTo>
+                <a:lnTo>
+                  <a:pt x="1296088" y="6309883"/>
+                </a:lnTo>
+                <a:cubicBezTo>
+                  <a:pt x="504535" y="5656635"/>
+                  <a:pt x="0" y="4668032"/>
+                  <a:pt x="0" y="3561588"/>
+                </a:cubicBezTo>
+                <a:cubicBezTo>
+                  <a:pt x="0" y="1594577"/>
+                  <a:pt x="1594577" y="0"/>
+                  <a:pt x="3561588" y="0"/>
+                </a:cubicBezTo>
+                <a:close/>
+              </a:path>
+            </a:pathLst>
+          </a:custGeom>
+          <a:solidFill>
+            <a:schemeClr val="bg1">
+              <a:alpha val="80000"/>
+            </a:schemeClr>
+          </a:solidFill>
+          <a:ln>
+            <a:noFill/>
+          </a:ln>
+        </p:spPr>
+        <p:style>
+          <a:lnRef idx="2">
+            <a:schemeClr val="accent1">
+              <a:shade val="50000"/>
+            </a:schemeClr>
+          </a:lnRef>
+          <a:fillRef idx="1">
+            <a:schemeClr val="accent1"/>
+          </a:fillRef>
+          <a:effectRef idx="0">
+            <a:schemeClr val="accent1"/>
+          </a:effectRef>
+          <a:fontRef idx="minor">
+            <a:schemeClr val="lt1"/>
+          </a:fontRef>
+        </p:style>
         <p:txBody>
-          <a:bodyPr/>
+          <a:bodyPr rtlCol="0" anchor="ctr"/>
           <a:lstStyle/>
           <a:p>
-            <a:endParaRPr lang="de-AT"/>
+            <a:pPr marL="0" marR="0" lvl="0" indent="0" algn="ctr" defTabSz="914400" rtl="0" eaLnBrk="1" fontAlgn="auto" latinLnBrk="0" hangingPunct="1">
+              <a:lnSpc>
+                <a:spcPct val="100000"/>
+              </a:lnSpc>
+              <a:spcBef>
+                <a:spcPts val="0"/>
+              </a:spcBef>
+              <a:spcAft>
+                <a:spcPts val="0"/>
+              </a:spcAft>
+              <a:buClrTx/>
+              <a:buSzTx/>
+              <a:buFontTx/>
+              <a:buNone/>
+              <a:tabLst/>
+              <a:defRPr/>
+            </a:pPr>
+            <a:endParaRPr kumimoji="0" lang="en-US" sz="1800" b="0" i="0" u="none" strike="noStrike" kern="1200" cap="none" spc="0" normalizeH="0" baseline="0" noProof="0">
+              <a:ln>
+                <a:noFill/>
+              </a:ln>
+              <a:solidFill>
+                <a:prstClr val="white"/>
+              </a:solidFill>
+              <a:effectLst/>
+              <a:uLnTx/>
+              <a:uFillTx/>
+              <a:latin typeface="Calibri" panose="020F0502020204030204"/>
+              <a:ea typeface="+mn-ea"/>
+              <a:cs typeface="+mn-cs"/>
+            </a:endParaRPr>
           </a:p>
         </p:txBody>
       </p:sp>
+      <p:sp>
+        <p:nvSpPr>
+          <p:cNvPr id="16" name="Freeform: Shape 15">
+            <a:extLst>
+              <a:ext uri="{FF2B5EF4-FFF2-40B4-BE49-F238E27FC236}">
+                <a16:creationId xmlns:a16="http://schemas.microsoft.com/office/drawing/2014/main" id="{598EBA13-C937-430B-9523-439FE21096E6}"/>
+              </a:ext>
+              <a:ext uri="{C183D7F6-B498-43B3-948B-1728B52AA6E4}">
+                <adec:decorative xmlns:adec="http://schemas.microsoft.com/office/drawing/2017/decorative" val="1"/>
+              </a:ext>
+            </a:extLst>
+          </p:cNvPr>
+          <p:cNvSpPr>
+            <a:spLocks noGrp="1" noRot="1" noChangeAspect="1" noMove="1" noResize="1" noEditPoints="1" noAdjustHandles="1" noChangeArrowheads="1" noChangeShapeType="1" noTextEdit="1"/>
+          </p:cNvSpPr>
+          <p:nvPr>
+            <p:extLst>
+              <p:ext uri="{386F3935-93C4-4BCD-93E2-E3B085C9AB24}">
+                <p16:designElem xmlns:p16="http://schemas.microsoft.com/office/powerpoint/2015/main" val="1"/>
+              </p:ext>
+            </p:extLst>
+          </p:nvPr>
+        </p:nvSpPr>
+        <p:spPr>
+          <a:xfrm>
+            <a:off x="6021086" y="544777"/>
+            <a:ext cx="6170914" cy="6313225"/>
+          </a:xfrm>
+          <a:custGeom>
+            <a:avLst/>
+            <a:gdLst>
+              <a:gd name="connsiteX0" fmla="*/ 3397813 w 6170914"/>
+              <a:gd name="connsiteY0" fmla="*/ 0 h 6313225"/>
+              <a:gd name="connsiteX1" fmla="*/ 6019731 w 6170914"/>
+              <a:gd name="connsiteY1" fmla="*/ 1236489 h 6313225"/>
+              <a:gd name="connsiteX2" fmla="*/ 6170914 w 6170914"/>
+              <a:gd name="connsiteY2" fmla="*/ 1438663 h 6313225"/>
+              <a:gd name="connsiteX3" fmla="*/ 6170914 w 6170914"/>
+              <a:gd name="connsiteY3" fmla="*/ 5356963 h 6313225"/>
+              <a:gd name="connsiteX4" fmla="*/ 6019731 w 6170914"/>
+              <a:gd name="connsiteY4" fmla="*/ 5559138 h 6313225"/>
+              <a:gd name="connsiteX5" fmla="*/ 5194591 w 6170914"/>
+              <a:gd name="connsiteY5" fmla="*/ 6282226 h 6313225"/>
+              <a:gd name="connsiteX6" fmla="*/ 5141791 w 6170914"/>
+              <a:gd name="connsiteY6" fmla="*/ 6313225 h 6313225"/>
+              <a:gd name="connsiteX7" fmla="*/ 1659199 w 6170914"/>
+              <a:gd name="connsiteY7" fmla="*/ 6313225 h 6313225"/>
+              <a:gd name="connsiteX8" fmla="*/ 1498064 w 6170914"/>
+              <a:gd name="connsiteY8" fmla="*/ 6215333 h 6313225"/>
+              <a:gd name="connsiteX9" fmla="*/ 0 w 6170914"/>
+              <a:gd name="connsiteY9" fmla="*/ 3397813 h 6313225"/>
+              <a:gd name="connsiteX10" fmla="*/ 3397813 w 6170914"/>
+              <a:gd name="connsiteY10" fmla="*/ 0 h 6313225"/>
+            </a:gdLst>
+            <a:ahLst/>
+            <a:cxnLst>
+              <a:cxn ang="0">
+                <a:pos x="connsiteX0" y="connsiteY0"/>
+              </a:cxn>
+              <a:cxn ang="0">
+                <a:pos x="connsiteX1" y="connsiteY1"/>
+              </a:cxn>
+              <a:cxn ang="0">
+                <a:pos x="connsiteX2" y="connsiteY2"/>
+              </a:cxn>
+              <a:cxn ang="0">
+                <a:pos x="connsiteX3" y="connsiteY3"/>
+              </a:cxn>
+              <a:cxn ang="0">
+                <a:pos x="connsiteX4" y="connsiteY4"/>
+              </a:cxn>
+              <a:cxn ang="0">
+                <a:pos x="connsiteX5" y="connsiteY5"/>
+              </a:cxn>
+              <a:cxn ang="0">
+                <a:pos x="connsiteX6" y="connsiteY6"/>
+              </a:cxn>
+              <a:cxn ang="0">
+                <a:pos x="connsiteX7" y="connsiteY7"/>
+              </a:cxn>
+              <a:cxn ang="0">
+                <a:pos x="connsiteX8" y="connsiteY8"/>
+              </a:cxn>
+              <a:cxn ang="0">
+                <a:pos x="connsiteX9" y="connsiteY9"/>
+              </a:cxn>
+              <a:cxn ang="0">
+                <a:pos x="connsiteX10" y="connsiteY10"/>
+              </a:cxn>
+            </a:cxnLst>
+            <a:rect l="l" t="t" r="r" b="b"/>
+            <a:pathLst>
+              <a:path w="6170914" h="6313225">
+                <a:moveTo>
+                  <a:pt x="3397813" y="0"/>
+                </a:moveTo>
+                <a:cubicBezTo>
+                  <a:pt x="4453378" y="0"/>
+                  <a:pt x="5396522" y="481334"/>
+                  <a:pt x="6019731" y="1236489"/>
+                </a:cubicBezTo>
+                <a:lnTo>
+                  <a:pt x="6170914" y="1438663"/>
+                </a:lnTo>
+                <a:lnTo>
+                  <a:pt x="6170914" y="5356963"/>
+                </a:lnTo>
+                <a:lnTo>
+                  <a:pt x="6019731" y="5559138"/>
+                </a:lnTo>
+                <a:cubicBezTo>
+                  <a:pt x="5786028" y="5842321"/>
+                  <a:pt x="5507333" y="6086998"/>
+                  <a:pt x="5194591" y="6282226"/>
+                </a:cubicBezTo>
+                <a:lnTo>
+                  <a:pt x="5141791" y="6313225"/>
+                </a:lnTo>
+                <a:lnTo>
+                  <a:pt x="1659199" y="6313225"/>
+                </a:lnTo>
+                <a:lnTo>
+                  <a:pt x="1498064" y="6215333"/>
+                </a:lnTo>
+                <a:cubicBezTo>
+                  <a:pt x="594240" y="5604721"/>
+                  <a:pt x="0" y="4570663"/>
+                  <a:pt x="0" y="3397813"/>
+                </a:cubicBezTo>
+                <a:cubicBezTo>
+                  <a:pt x="0" y="1521253"/>
+                  <a:pt x="1521253" y="0"/>
+                  <a:pt x="3397813" y="0"/>
+                </a:cubicBezTo>
+                <a:close/>
+              </a:path>
+            </a:pathLst>
+          </a:custGeom>
+          <a:solidFill>
+            <a:schemeClr val="bg1"/>
+          </a:solidFill>
+          <a:ln>
+            <a:noFill/>
+          </a:ln>
+        </p:spPr>
+        <p:style>
+          <a:lnRef idx="2">
+            <a:schemeClr val="accent1">
+              <a:shade val="50000"/>
+            </a:schemeClr>
+          </a:lnRef>
+          <a:fillRef idx="1">
+            <a:schemeClr val="accent1"/>
+          </a:fillRef>
+          <a:effectRef idx="0">
+            <a:schemeClr val="accent1"/>
+          </a:effectRef>
+          <a:fontRef idx="minor">
+            <a:schemeClr val="lt1"/>
+          </a:fontRef>
+        </p:style>
+        <p:txBody>
+          <a:bodyPr rtlCol="0" anchor="ctr"/>
+          <a:lstStyle/>
+          <a:p>
+            <a:pPr marL="0" marR="0" lvl="0" indent="0" algn="ctr" defTabSz="914400" rtl="0" eaLnBrk="1" fontAlgn="auto" latinLnBrk="0" hangingPunct="1">
+              <a:lnSpc>
+                <a:spcPct val="100000"/>
+              </a:lnSpc>
+              <a:spcBef>
+                <a:spcPts val="0"/>
+              </a:spcBef>
+              <a:spcAft>
+                <a:spcPts val="0"/>
+              </a:spcAft>
+              <a:buClrTx/>
+              <a:buSzTx/>
+              <a:buFontTx/>
+              <a:buNone/>
+              <a:tabLst/>
+              <a:defRPr/>
+            </a:pPr>
+            <a:endParaRPr kumimoji="0" lang="en-US" sz="1800" b="0" i="0" u="none" strike="noStrike" kern="1200" cap="none" spc="0" normalizeH="0" baseline="0" noProof="0">
+              <a:ln>
+                <a:noFill/>
+              </a:ln>
+              <a:solidFill>
+                <a:prstClr val="white"/>
+              </a:solidFill>
+              <a:effectLst/>
+              <a:uLnTx/>
+              <a:uFillTx/>
+              <a:latin typeface="Calibri" panose="020F0502020204030204"/>
+              <a:ea typeface="+mn-ea"/>
+              <a:cs typeface="+mn-cs"/>
+            </a:endParaRPr>
+          </a:p>
+        </p:txBody>
+      </p:sp>
+      <p:pic>
+        <p:nvPicPr>
+          <p:cNvPr id="9" name="Graphic 8" descr="Warning">
+            <a:extLst>
+              <a:ext uri="{FF2B5EF4-FFF2-40B4-BE49-F238E27FC236}">
+                <a16:creationId xmlns:a16="http://schemas.microsoft.com/office/drawing/2014/main" id="{0D2FD1E5-74E9-42BC-A17B-6A40BC5E7BEC}"/>
+              </a:ext>
+            </a:extLst>
+          </p:cNvPr>
+          <p:cNvPicPr>
+            <a:picLocks noChangeAspect="1"/>
+          </p:cNvPicPr>
+          <p:nvPr/>
+        </p:nvPicPr>
+        <p:blipFill>
+          <a:blip r:embed="rId2">
+            <a:extLst>
+              <a:ext uri="{28A0092B-C50C-407E-A947-70E740481C1C}">
+                <a14:useLocalDpi xmlns:a14="http://schemas.microsoft.com/office/drawing/2010/main" val="0"/>
+              </a:ext>
+              <a:ext uri="{96DAC541-7B7A-43D3-8B79-37D633B846F1}">
+                <asvg:svgBlip xmlns:asvg="http://schemas.microsoft.com/office/drawing/2016/SVG/main" r:embed="rId3"/>
+              </a:ext>
+            </a:extLst>
+          </a:blip>
+          <a:stretch>
+            <a:fillRect/>
+          </a:stretch>
+        </p:blipFill>
+        <p:spPr>
+          <a:xfrm>
+            <a:off x="7210424" y="1845770"/>
+            <a:ext cx="4333875" cy="4333875"/>
+          </a:xfrm>
+          <a:prstGeom prst="rect">
+            <a:avLst/>
+          </a:prstGeom>
+        </p:spPr>
+      </p:pic>
     </p:spTree>
     <p:extLst>
       <p:ext uri="{BB962C8B-B14F-4D97-AF65-F5344CB8AC3E}">

--- a/FHTW CodeRunner.pptx
+++ b/FHTW CodeRunner.pptx
@@ -17221,7 +17221,7 @@
           <a:p>
             <a:fld id="{72EA7947-E287-4738-8C82-07CE4F01EF03}" type="datetime2">
               <a:rPr lang="en-US" smtClean="0"/>
-              <a:t>Thursday, January 28, 2021</a:t>
+              <a:t>Friday, January 29, 2021</a:t>
             </a:fld>
             <a:endParaRPr lang="en-US" dirty="0"/>
           </a:p>
@@ -17424,7 +17424,7 @@
           <a:p>
             <a:fld id="{EE2EBD84-71F4-4271-8C46-0D47C0A9B12E}" type="datetime2">
               <a:rPr lang="en-US" smtClean="0"/>
-              <a:t>Thursday, January 28, 2021</a:t>
+              <a:t>Friday, January 29, 2021</a:t>
             </a:fld>
             <a:endParaRPr lang="en-US"/>
           </a:p>
@@ -17637,7 +17637,7 @@
           <a:p>
             <a:fld id="{ABAE0CE1-F450-4107-B2CB-17B18F8A3F4A}" type="datetime2">
               <a:rPr lang="en-US" smtClean="0"/>
-              <a:t>Thursday, January 28, 2021</a:t>
+              <a:t>Friday, January 29, 2021</a:t>
             </a:fld>
             <a:endParaRPr lang="en-US"/>
           </a:p>
@@ -17840,7 +17840,7 @@
           <a:p>
             <a:fld id="{6FE8C025-CD7A-4966-867E-81CF82B15267}" type="datetime2">
               <a:rPr lang="en-US" smtClean="0"/>
-              <a:t>Thursday, January 28, 2021</a:t>
+              <a:t>Friday, January 29, 2021</a:t>
             </a:fld>
             <a:endParaRPr lang="en-US"/>
           </a:p>
@@ -18119,7 +18119,7 @@
           <a:p>
             <a:fld id="{FE809929-0719-4517-94D6-FDF7F99E70F6}" type="datetime2">
               <a:rPr lang="en-US" smtClean="0"/>
-              <a:t>Thursday, January 28, 2021</a:t>
+              <a:t>Friday, January 29, 2021</a:t>
             </a:fld>
             <a:endParaRPr lang="en-US"/>
           </a:p>
@@ -18390,7 +18390,7 @@
           <a:p>
             <a:fld id="{20E95673-5512-4AAA-9AEB-E00C61EC65D5}" type="datetime2">
               <a:rPr lang="en-US" smtClean="0"/>
-              <a:t>Thursday, January 28, 2021</a:t>
+              <a:t>Friday, January 29, 2021</a:t>
             </a:fld>
             <a:endParaRPr lang="en-US"/>
           </a:p>
@@ -18808,7 +18808,7 @@
           <a:p>
             <a:fld id="{C13138FA-2E87-4873-8BBA-13E447C9A99A}" type="datetime2">
               <a:rPr lang="en-US" smtClean="0"/>
-              <a:t>Thursday, January 28, 2021</a:t>
+              <a:t>Friday, January 29, 2021</a:t>
             </a:fld>
             <a:endParaRPr lang="en-US"/>
           </a:p>
@@ -18953,7 +18953,7 @@
           <a:p>
             <a:fld id="{D75BB40A-97BD-4BFB-B639-0BFF95FDE8B7}" type="datetime2">
               <a:rPr lang="en-US" smtClean="0"/>
-              <a:t>Thursday, January 28, 2021</a:t>
+              <a:t>Friday, January 29, 2021</a:t>
             </a:fld>
             <a:endParaRPr lang="en-US"/>
           </a:p>
@@ -19069,7 +19069,7 @@
           <a:p>
             <a:fld id="{9EE9E0E3-ECF6-4CFE-8698-AEFEBCECC3C0}" type="datetime2">
               <a:rPr lang="en-US" smtClean="0"/>
-              <a:t>Thursday, January 28, 2021</a:t>
+              <a:t>Friday, January 29, 2021</a:t>
             </a:fld>
             <a:endParaRPr lang="en-US"/>
           </a:p>
@@ -19385,7 +19385,7 @@
           <a:p>
             <a:fld id="{251462FC-960E-4740-921F-B36862979F21}" type="datetime2">
               <a:rPr lang="en-US" smtClean="0"/>
-              <a:t>Thursday, January 28, 2021</a:t>
+              <a:t>Friday, January 29, 2021</a:t>
             </a:fld>
             <a:endParaRPr lang="en-US"/>
           </a:p>
@@ -19677,7 +19677,7 @@
           <a:p>
             <a:fld id="{E50BC9E2-CB44-4C05-9BB5-496C18A241E0}" type="datetime2">
               <a:rPr lang="en-US" smtClean="0"/>
-              <a:t>Thursday, January 28, 2021</a:t>
+              <a:t>Friday, January 29, 2021</a:t>
             </a:fld>
             <a:endParaRPr lang="en-US"/>
           </a:p>
@@ -19923,7 +19923,7 @@
           <a:p>
             <a:fld id="{246CB39B-5F4C-4A7E-9BE3-AAFD45576D16}" type="datetime2">
               <a:rPr lang="en-US" smtClean="0"/>
-              <a:t>Thursday, January 28, 2021</a:t>
+              <a:t>Friday, January 29, 2021</a:t>
             </a:fld>
             <a:endParaRPr lang="en-US" dirty="0"/>
           </a:p>
@@ -21871,8 +21871,8 @@
         </p:nvSpPr>
         <p:spPr>
           <a:xfrm>
-            <a:off x="804673" y="3320859"/>
-            <a:ext cx="4573475" cy="2076333"/>
+            <a:off x="804673" y="870615"/>
+            <a:ext cx="4573475" cy="975155"/>
           </a:xfrm>
         </p:spPr>
         <p:txBody>
@@ -21882,7 +21882,7 @@
           <a:lstStyle/>
           <a:p>
             <a:r>
-              <a:rPr lang="en-US" sz="4800" kern="1200">
+              <a:rPr lang="en-US" sz="4800" kern="1200" dirty="0">
                 <a:solidFill>
                   <a:schemeClr val="bg1"/>
                 </a:solidFill>
@@ -22334,6 +22334,113 @@
           </a:prstGeom>
         </p:spPr>
       </p:pic>
+      <p:sp>
+        <p:nvSpPr>
+          <p:cNvPr id="7" name="Title 1">
+            <a:extLst>
+              <a:ext uri="{FF2B5EF4-FFF2-40B4-BE49-F238E27FC236}">
+                <a16:creationId xmlns:a16="http://schemas.microsoft.com/office/drawing/2014/main" id="{62C15609-2D85-4D07-A0DF-964832A350F1}"/>
+              </a:ext>
+            </a:extLst>
+          </p:cNvPr>
+          <p:cNvSpPr txBox="1">
+            <a:spLocks/>
+          </p:cNvSpPr>
+          <p:nvPr/>
+        </p:nvSpPr>
+        <p:spPr>
+          <a:xfrm>
+            <a:off x="804673" y="2069007"/>
+            <a:ext cx="4573475" cy="3918378"/>
+          </a:xfrm>
+          <a:prstGeom prst="rect">
+            <a:avLst/>
+          </a:prstGeom>
+        </p:spPr>
+        <p:txBody>
+          <a:bodyPr vert="horz" lIns="91440" tIns="45720" rIns="91440" bIns="45720" rtlCol="0" anchor="t">
+            <a:normAutofit/>
+          </a:bodyPr>
+          <a:lstStyle>
+            <a:lvl1pPr algn="l" defTabSz="914400" rtl="0" eaLnBrk="1" latinLnBrk="0" hangingPunct="1">
+              <a:lnSpc>
+                <a:spcPct val="90000"/>
+              </a:lnSpc>
+              <a:spcBef>
+                <a:spcPct val="0"/>
+              </a:spcBef>
+              <a:buNone/>
+              <a:defRPr sz="4400" kern="1200">
+                <a:solidFill>
+                  <a:schemeClr val="tx1"/>
+                </a:solidFill>
+                <a:latin typeface="+mj-lt"/>
+                <a:ea typeface="+mj-ea"/>
+                <a:cs typeface="+mj-cs"/>
+              </a:defRPr>
+            </a:lvl1pPr>
+          </a:lstStyle>
+          <a:p>
+            <a:pPr marL="457200" indent="-457200">
+              <a:lnSpc>
+                <a:spcPct val="250000"/>
+              </a:lnSpc>
+              <a:buFont typeface="Arial" panose="020B0604020202020204" pitchFamily="34" charset="0"/>
+              <a:buChar char="•"/>
+            </a:pPr>
+            <a:r>
+              <a:rPr lang="en-US" sz="2800" dirty="0" err="1">
+                <a:solidFill>
+                  <a:schemeClr val="bg1"/>
+                </a:solidFill>
+              </a:rPr>
+              <a:t>Unsauberes</a:t>
+            </a:r>
+            <a:r>
+              <a:rPr lang="en-US" sz="2800" dirty="0">
+                <a:solidFill>
+                  <a:schemeClr val="bg1"/>
+                </a:solidFill>
+              </a:rPr>
+              <a:t> Error Handling</a:t>
+            </a:r>
+          </a:p>
+          <a:p>
+            <a:pPr marL="457200" indent="-457200">
+              <a:lnSpc>
+                <a:spcPct val="250000"/>
+              </a:lnSpc>
+              <a:buFont typeface="Arial" panose="020B0604020202020204" pitchFamily="34" charset="0"/>
+              <a:buChar char="•"/>
+            </a:pPr>
+            <a:r>
+              <a:rPr lang="en-US" sz="2800" dirty="0">
+                <a:solidFill>
+                  <a:schemeClr val="bg1"/>
+                </a:solidFill>
+              </a:rPr>
+              <a:t>Deployment!</a:t>
+            </a:r>
+          </a:p>
+          <a:p>
+            <a:pPr marL="457200" indent="-457200">
+              <a:lnSpc>
+                <a:spcPct val="250000"/>
+              </a:lnSpc>
+              <a:buFont typeface="Arial" panose="020B0604020202020204" pitchFamily="34" charset="0"/>
+              <a:buChar char="•"/>
+            </a:pPr>
+            <a:r>
+              <a:rPr lang="en-US" sz="2800" dirty="0">
+                <a:solidFill>
+                  <a:schemeClr val="bg1"/>
+                </a:solidFill>
+              </a:rPr>
+              <a:t>Markdown/HTML</a:t>
+            </a:r>
+          </a:p>
+        </p:txBody>
+      </p:sp>
     </p:spTree>
     <p:extLst>
       <p:ext uri="{BB962C8B-B14F-4D97-AF65-F5344CB8AC3E}">
